--- a/docs/lecture_slides/Week 1/Week1_Lecture2_Slides_1_12_2024.pptx
+++ b/docs/lecture_slides/Week 1/Week1_Lecture2_Slides_1_12_2024.pptx
@@ -14,11 +14,11 @@
     <p:sldId id="272" r:id="rId8"/>
     <p:sldId id="285" r:id="rId9"/>
     <p:sldId id="283" r:id="rId10"/>
-    <p:sldId id="277" r:id="rId11"/>
-    <p:sldId id="287" r:id="rId12"/>
-    <p:sldId id="286" r:id="rId13"/>
-    <p:sldId id="273" r:id="rId14"/>
-    <p:sldId id="288" r:id="rId15"/>
+    <p:sldId id="286" r:id="rId11"/>
+    <p:sldId id="273" r:id="rId12"/>
+    <p:sldId id="288" r:id="rId13"/>
+    <p:sldId id="277" r:id="rId14"/>
+    <p:sldId id="287" r:id="rId15"/>
     <p:sldId id="282" r:id="rId16"/>
     <p:sldId id="279" r:id="rId17"/>
     <p:sldId id="280" r:id="rId18"/>
@@ -6617,7 +6617,7 @@
           <a:p>
             <a:fld id="{06882561-BD16-4A95-ACA1-5204E478F2FE}" type="datetimeFigureOut">
               <a:rPr lang="en-US" smtClean="0"/>
-              <a:t>8/23/2023</a:t>
+              <a:t>1/16/2024</a:t>
             </a:fld>
             <a:endParaRPr lang="en-US"/>
           </a:p>
@@ -6815,7 +6815,7 @@
           <a:p>
             <a:fld id="{06882561-BD16-4A95-ACA1-5204E478F2FE}" type="datetimeFigureOut">
               <a:rPr lang="en-US" smtClean="0"/>
-              <a:t>8/23/2023</a:t>
+              <a:t>1/16/2024</a:t>
             </a:fld>
             <a:endParaRPr lang="en-US"/>
           </a:p>
@@ -7023,7 +7023,7 @@
           <a:p>
             <a:fld id="{06882561-BD16-4A95-ACA1-5204E478F2FE}" type="datetimeFigureOut">
               <a:rPr lang="en-US" smtClean="0"/>
-              <a:t>8/23/2023</a:t>
+              <a:t>1/16/2024</a:t>
             </a:fld>
             <a:endParaRPr lang="en-US"/>
           </a:p>
@@ -7221,7 +7221,7 @@
           <a:p>
             <a:fld id="{06882561-BD16-4A95-ACA1-5204E478F2FE}" type="datetimeFigureOut">
               <a:rPr lang="en-US" smtClean="0"/>
-              <a:t>8/23/2023</a:t>
+              <a:t>1/16/2024</a:t>
             </a:fld>
             <a:endParaRPr lang="en-US"/>
           </a:p>
@@ -7496,7 +7496,7 @@
           <a:p>
             <a:fld id="{06882561-BD16-4A95-ACA1-5204E478F2FE}" type="datetimeFigureOut">
               <a:rPr lang="en-US" smtClean="0"/>
-              <a:t>8/23/2023</a:t>
+              <a:t>1/16/2024</a:t>
             </a:fld>
             <a:endParaRPr lang="en-US"/>
           </a:p>
@@ -7761,7 +7761,7 @@
           <a:p>
             <a:fld id="{06882561-BD16-4A95-ACA1-5204E478F2FE}" type="datetimeFigureOut">
               <a:rPr lang="en-US" smtClean="0"/>
-              <a:t>8/23/2023</a:t>
+              <a:t>1/16/2024</a:t>
             </a:fld>
             <a:endParaRPr lang="en-US"/>
           </a:p>
@@ -8173,7 +8173,7 @@
           <a:p>
             <a:fld id="{06882561-BD16-4A95-ACA1-5204E478F2FE}" type="datetimeFigureOut">
               <a:rPr lang="en-US" smtClean="0"/>
-              <a:t>8/23/2023</a:t>
+              <a:t>1/16/2024</a:t>
             </a:fld>
             <a:endParaRPr lang="en-US"/>
           </a:p>
@@ -8314,7 +8314,7 @@
           <a:p>
             <a:fld id="{06882561-BD16-4A95-ACA1-5204E478F2FE}" type="datetimeFigureOut">
               <a:rPr lang="en-US" smtClean="0"/>
-              <a:t>8/23/2023</a:t>
+              <a:t>1/16/2024</a:t>
             </a:fld>
             <a:endParaRPr lang="en-US"/>
           </a:p>
@@ -8427,7 +8427,7 @@
           <a:p>
             <a:fld id="{06882561-BD16-4A95-ACA1-5204E478F2FE}" type="datetimeFigureOut">
               <a:rPr lang="en-US" smtClean="0"/>
-              <a:t>8/23/2023</a:t>
+              <a:t>1/16/2024</a:t>
             </a:fld>
             <a:endParaRPr lang="en-US"/>
           </a:p>
@@ -8738,7 +8738,7 @@
           <a:p>
             <a:fld id="{06882561-BD16-4A95-ACA1-5204E478F2FE}" type="datetimeFigureOut">
               <a:rPr lang="en-US" smtClean="0"/>
-              <a:t>8/23/2023</a:t>
+              <a:t>1/16/2024</a:t>
             </a:fld>
             <a:endParaRPr lang="en-US"/>
           </a:p>
@@ -9026,7 +9026,7 @@
           <a:p>
             <a:fld id="{06882561-BD16-4A95-ACA1-5204E478F2FE}" type="datetimeFigureOut">
               <a:rPr lang="en-US" smtClean="0"/>
-              <a:t>8/23/2023</a:t>
+              <a:t>1/16/2024</a:t>
             </a:fld>
             <a:endParaRPr lang="en-US"/>
           </a:p>
@@ -9267,7 +9267,7 @@
           <a:p>
             <a:fld id="{06882561-BD16-4A95-ACA1-5204E478F2FE}" type="datetimeFigureOut">
               <a:rPr lang="en-US" smtClean="0"/>
-              <a:t>8/23/2023</a:t>
+              <a:t>1/16/2024</a:t>
             </a:fld>
             <a:endParaRPr lang="en-US"/>
           </a:p>
@@ -9746,6 +9746,358 @@
 <file path=ppt/slides/slide10.xml><?xml version="1.0" encoding="utf-8"?>
 <p:sld xmlns:a="http://schemas.openxmlformats.org/drawingml/2006/main" xmlns:r="http://schemas.openxmlformats.org/officeDocument/2006/relationships" xmlns:p="http://schemas.openxmlformats.org/presentationml/2006/main">
   <p:cSld>
+    <p:spTree>
+      <p:nvGrpSpPr>
+        <p:cNvPr id="1" name=""/>
+        <p:cNvGrpSpPr/>
+        <p:nvPr/>
+      </p:nvGrpSpPr>
+      <p:grpSpPr>
+        <a:xfrm>
+          <a:off x="0" y="0"/>
+          <a:ext cx="0" cy="0"/>
+          <a:chOff x="0" y="0"/>
+          <a:chExt cx="0" cy="0"/>
+        </a:xfrm>
+      </p:grpSpPr>
+      <p:sp>
+        <p:nvSpPr>
+          <p:cNvPr id="2" name="Title 1">
+            <a:extLst>
+              <a:ext uri="{FF2B5EF4-FFF2-40B4-BE49-F238E27FC236}">
+                <a16:creationId xmlns:a16="http://schemas.microsoft.com/office/drawing/2014/main" id="{476194FF-DF74-EF86-DF92-8D34A4EA85C3}"/>
+              </a:ext>
+            </a:extLst>
+          </p:cNvPr>
+          <p:cNvSpPr>
+            <a:spLocks noGrp="1"/>
+          </p:cNvSpPr>
+          <p:nvPr>
+            <p:ph type="title"/>
+          </p:nvPr>
+        </p:nvSpPr>
+        <p:spPr/>
+        <p:txBody>
+          <a:bodyPr/>
+          <a:lstStyle/>
+          <a:p>
+            <a:r>
+              <a:rPr lang="en-US" dirty="0"/>
+              <a:t>Frequency Tables for Continuous Variables</a:t>
+            </a:r>
+          </a:p>
+        </p:txBody>
+      </p:sp>
+      <p:sp>
+        <p:nvSpPr>
+          <p:cNvPr id="3" name="Content Placeholder 2">
+            <a:extLst>
+              <a:ext uri="{FF2B5EF4-FFF2-40B4-BE49-F238E27FC236}">
+                <a16:creationId xmlns:a16="http://schemas.microsoft.com/office/drawing/2014/main" id="{B8E94895-622E-4F90-9B01-BC714AD08FD2}"/>
+              </a:ext>
+            </a:extLst>
+          </p:cNvPr>
+          <p:cNvSpPr>
+            <a:spLocks noGrp="1"/>
+          </p:cNvSpPr>
+          <p:nvPr>
+            <p:ph idx="1"/>
+          </p:nvPr>
+        </p:nvSpPr>
+        <p:spPr>
+          <a:xfrm>
+            <a:off x="838200" y="1825625"/>
+            <a:ext cx="10236200" cy="4351338"/>
+          </a:xfrm>
+        </p:spPr>
+        <p:txBody>
+          <a:bodyPr/>
+          <a:lstStyle/>
+          <a:p>
+            <a:r>
+              <a:rPr lang="en-US" dirty="0"/>
+              <a:t>The number of possible values is usually very large </a:t>
+            </a:r>
+          </a:p>
+          <a:p>
+            <a:r>
+              <a:rPr lang="en-US" dirty="0"/>
+              <a:t>Convert continuous values into discrete groups (sometimes called bins):</a:t>
+            </a:r>
+          </a:p>
+          <a:p>
+            <a:endParaRPr lang="en-US" dirty="0"/>
+          </a:p>
+          <a:p>
+            <a:pPr marL="0" indent="0">
+              <a:buNone/>
+            </a:pPr>
+            <a:r>
+              <a:rPr lang="en-US" b="1" dirty="0"/>
+              <a:t>Steps: </a:t>
+            </a:r>
+          </a:p>
+          <a:p>
+            <a:pPr marL="514350" indent="-514350">
+              <a:buFont typeface="+mj-lt"/>
+              <a:buAutoNum type="arabicPeriod"/>
+            </a:pPr>
+            <a:r>
+              <a:rPr lang="en-US" dirty="0"/>
+              <a:t>Divide the range of the variable into a set of non-overlapping intervals</a:t>
+            </a:r>
+          </a:p>
+          <a:p>
+            <a:pPr marL="514350" indent="-514350">
+              <a:buFont typeface="+mj-lt"/>
+              <a:buAutoNum type="arabicPeriod"/>
+            </a:pPr>
+            <a:r>
+              <a:rPr lang="en-US" dirty="0"/>
+              <a:t>Count the number of values that fall into each interval</a:t>
+            </a:r>
+          </a:p>
+        </p:txBody>
+      </p:sp>
+    </p:spTree>
+    <p:extLst>
+      <p:ext uri="{BB962C8B-B14F-4D97-AF65-F5344CB8AC3E}">
+        <p14:creationId xmlns:p14="http://schemas.microsoft.com/office/powerpoint/2010/main" val="967060633"/>
+      </p:ext>
+    </p:extLst>
+  </p:cSld>
+  <p:clrMapOvr>
+    <a:masterClrMapping/>
+  </p:clrMapOvr>
+</p:sld>
+</file>
+
+<file path=ppt/slides/slide11.xml><?xml version="1.0" encoding="utf-8"?>
+<p:sld xmlns:a="http://schemas.openxmlformats.org/drawingml/2006/main" xmlns:r="http://schemas.openxmlformats.org/officeDocument/2006/relationships" xmlns:p="http://schemas.openxmlformats.org/presentationml/2006/main">
+  <p:cSld>
+    <p:spTree>
+      <p:nvGrpSpPr>
+        <p:cNvPr id="1" name=""/>
+        <p:cNvGrpSpPr/>
+        <p:nvPr/>
+      </p:nvGrpSpPr>
+      <p:grpSpPr>
+        <a:xfrm>
+          <a:off x="0" y="0"/>
+          <a:ext cx="0" cy="0"/>
+          <a:chOff x="0" y="0"/>
+          <a:chExt cx="0" cy="0"/>
+        </a:xfrm>
+      </p:grpSpPr>
+      <p:sp>
+        <p:nvSpPr>
+          <p:cNvPr id="2" name="Title 1">
+            <a:extLst>
+              <a:ext uri="{FF2B5EF4-FFF2-40B4-BE49-F238E27FC236}">
+                <a16:creationId xmlns:a16="http://schemas.microsoft.com/office/drawing/2014/main" id="{A2418BEF-F19E-DBAD-FF9A-8FDF1FBD3654}"/>
+              </a:ext>
+            </a:extLst>
+          </p:cNvPr>
+          <p:cNvSpPr>
+            <a:spLocks noGrp="1"/>
+          </p:cNvSpPr>
+          <p:nvPr>
+            <p:ph type="title"/>
+          </p:nvPr>
+        </p:nvSpPr>
+        <p:spPr>
+          <a:xfrm>
+            <a:off x="838200" y="365126"/>
+            <a:ext cx="10515600" cy="825500"/>
+          </a:xfrm>
+        </p:spPr>
+        <p:txBody>
+          <a:bodyPr>
+            <a:normAutofit/>
+          </a:bodyPr>
+          <a:lstStyle/>
+          <a:p>
+            <a:r>
+              <a:rPr lang="en-US" sz="4000" dirty="0"/>
+              <a:t>Example: Old Faithful Eruption Times</a:t>
+            </a:r>
+          </a:p>
+        </p:txBody>
+      </p:sp>
+      <p:pic>
+        <p:nvPicPr>
+          <p:cNvPr id="12" name="Picture 11" descr="A geyser erupting from a volcano&#10;&#10;Description automatically generated">
+            <a:extLst>
+              <a:ext uri="{FF2B5EF4-FFF2-40B4-BE49-F238E27FC236}">
+                <a16:creationId xmlns:a16="http://schemas.microsoft.com/office/drawing/2014/main" id="{7D4F0832-9507-7EF6-4632-576AC46874E2}"/>
+              </a:ext>
+            </a:extLst>
+          </p:cNvPr>
+          <p:cNvPicPr>
+            <a:picLocks noChangeAspect="1"/>
+          </p:cNvPicPr>
+          <p:nvPr/>
+        </p:nvPicPr>
+        <p:blipFill>
+          <a:blip r:embed="rId2">
+            <a:extLst>
+              <a:ext uri="{28A0092B-C50C-407E-A947-70E740481C1C}">
+                <a14:useLocalDpi xmlns:a14="http://schemas.microsoft.com/office/drawing/2010/main" val="0"/>
+              </a:ext>
+              <a:ext uri="{837473B0-CC2E-450A-ABE3-18F120FF3D39}">
+                <a1611:picAttrSrcUrl xmlns:a1611="http://schemas.microsoft.com/office/drawing/2016/11/main" r:id="rId3"/>
+              </a:ext>
+            </a:extLst>
+          </a:blip>
+          <a:stretch>
+            <a:fillRect/>
+          </a:stretch>
+        </p:blipFill>
+        <p:spPr>
+          <a:xfrm>
+            <a:off x="257175" y="2378007"/>
+            <a:ext cx="6402243" cy="4270246"/>
+          </a:xfrm>
+          <a:prstGeom prst="rect">
+            <a:avLst/>
+          </a:prstGeom>
+        </p:spPr>
+      </p:pic>
+      <p:pic>
+        <p:nvPicPr>
+          <p:cNvPr id="14" name="Picture 13">
+            <a:extLst>
+              <a:ext uri="{FF2B5EF4-FFF2-40B4-BE49-F238E27FC236}">
+                <a16:creationId xmlns:a16="http://schemas.microsoft.com/office/drawing/2014/main" id="{9B6079F2-E75F-5FC2-3656-4040AC7A68F1}"/>
+              </a:ext>
+            </a:extLst>
+          </p:cNvPr>
+          <p:cNvPicPr>
+            <a:picLocks noChangeAspect="1"/>
+          </p:cNvPicPr>
+          <p:nvPr/>
+        </p:nvPicPr>
+        <p:blipFill>
+          <a:blip r:embed="rId4"/>
+          <a:stretch>
+            <a:fillRect/>
+          </a:stretch>
+        </p:blipFill>
+        <p:spPr>
+          <a:xfrm>
+            <a:off x="7490691" y="2278912"/>
+            <a:ext cx="4018898" cy="4369340"/>
+          </a:xfrm>
+          <a:prstGeom prst="rect">
+            <a:avLst/>
+          </a:prstGeom>
+        </p:spPr>
+      </p:pic>
+    </p:spTree>
+    <p:extLst>
+      <p:ext uri="{BB962C8B-B14F-4D97-AF65-F5344CB8AC3E}">
+        <p14:creationId xmlns:p14="http://schemas.microsoft.com/office/powerpoint/2010/main" val="3224327594"/>
+      </p:ext>
+    </p:extLst>
+  </p:cSld>
+  <p:clrMapOvr>
+    <a:masterClrMapping/>
+  </p:clrMapOvr>
+</p:sld>
+</file>
+
+<file path=ppt/slides/slide12.xml><?xml version="1.0" encoding="utf-8"?>
+<p:sld xmlns:a="http://schemas.openxmlformats.org/drawingml/2006/main" xmlns:r="http://schemas.openxmlformats.org/officeDocument/2006/relationships" xmlns:p="http://schemas.openxmlformats.org/presentationml/2006/main">
+  <p:cSld>
+    <p:spTree>
+      <p:nvGrpSpPr>
+        <p:cNvPr id="1" name=""/>
+        <p:cNvGrpSpPr/>
+        <p:nvPr/>
+      </p:nvGrpSpPr>
+      <p:grpSpPr>
+        <a:xfrm>
+          <a:off x="0" y="0"/>
+          <a:ext cx="0" cy="0"/>
+          <a:chOff x="0" y="0"/>
+          <a:chExt cx="0" cy="0"/>
+        </a:xfrm>
+      </p:grpSpPr>
+      <p:sp>
+        <p:nvSpPr>
+          <p:cNvPr id="2" name="Title 1">
+            <a:extLst>
+              <a:ext uri="{FF2B5EF4-FFF2-40B4-BE49-F238E27FC236}">
+                <a16:creationId xmlns:a16="http://schemas.microsoft.com/office/drawing/2014/main" id="{0B5FEA43-5CC7-674C-34A7-42C05AF202E3}"/>
+              </a:ext>
+            </a:extLst>
+          </p:cNvPr>
+          <p:cNvSpPr>
+            <a:spLocks noGrp="1"/>
+          </p:cNvSpPr>
+          <p:nvPr>
+            <p:ph type="title"/>
+          </p:nvPr>
+        </p:nvSpPr>
+        <p:spPr/>
+        <p:txBody>
+          <a:bodyPr/>
+          <a:lstStyle/>
+          <a:p>
+            <a:r>
+              <a:rPr lang="en-US" sz="4400" dirty="0"/>
+              <a:t>Old Faithful Eruption Times: Frequency Table</a:t>
+            </a:r>
+            <a:endParaRPr lang="en-US" dirty="0"/>
+          </a:p>
+        </p:txBody>
+      </p:sp>
+      <p:pic>
+        <p:nvPicPr>
+          <p:cNvPr id="5" name="Picture 4">
+            <a:extLst>
+              <a:ext uri="{FF2B5EF4-FFF2-40B4-BE49-F238E27FC236}">
+                <a16:creationId xmlns:a16="http://schemas.microsoft.com/office/drawing/2014/main" id="{D2A6CFA9-8621-1511-99AE-0343BA94DC76}"/>
+              </a:ext>
+            </a:extLst>
+          </p:cNvPr>
+          <p:cNvPicPr>
+            <a:picLocks noChangeAspect="1"/>
+          </p:cNvPicPr>
+          <p:nvPr/>
+        </p:nvPicPr>
+        <p:blipFill>
+          <a:blip r:embed="rId2"/>
+          <a:stretch>
+            <a:fillRect/>
+          </a:stretch>
+        </p:blipFill>
+        <p:spPr>
+          <a:xfrm>
+            <a:off x="2499810" y="2324150"/>
+            <a:ext cx="7192379" cy="3410426"/>
+          </a:xfrm>
+          <a:prstGeom prst="rect">
+            <a:avLst/>
+          </a:prstGeom>
+        </p:spPr>
+      </p:pic>
+    </p:spTree>
+    <p:extLst>
+      <p:ext uri="{BB962C8B-B14F-4D97-AF65-F5344CB8AC3E}">
+        <p14:creationId xmlns:p14="http://schemas.microsoft.com/office/powerpoint/2010/main" val="1892766331"/>
+      </p:ext>
+    </p:extLst>
+  </p:cSld>
+  <p:clrMapOvr>
+    <a:masterClrMapping/>
+  </p:clrMapOvr>
+</p:sld>
+</file>
+
+<file path=ppt/slides/slide13.xml><?xml version="1.0" encoding="utf-8"?>
+<p:sld xmlns:a="http://schemas.openxmlformats.org/drawingml/2006/main" xmlns:r="http://schemas.openxmlformats.org/officeDocument/2006/relationships" xmlns:p="http://schemas.openxmlformats.org/presentationml/2006/main">
+  <p:cSld>
     <p:bg>
       <p:bgPr>
         <a:solidFill>
@@ -10044,7 +10396,7 @@
 </p:sld>
 </file>
 
-<file path=ppt/slides/slide11.xml><?xml version="1.0" encoding="utf-8"?>
+<file path=ppt/slides/slide14.xml><?xml version="1.0" encoding="utf-8"?>
 <p:sld xmlns:a="http://schemas.openxmlformats.org/drawingml/2006/main" xmlns:r="http://schemas.openxmlformats.org/officeDocument/2006/relationships" xmlns:p="http://schemas.openxmlformats.org/presentationml/2006/main">
   <p:cSld>
     <p:spTree>
@@ -10125,358 +10477,6 @@
     <p:extLst>
       <p:ext uri="{BB962C8B-B14F-4D97-AF65-F5344CB8AC3E}">
         <p14:creationId xmlns:p14="http://schemas.microsoft.com/office/powerpoint/2010/main" val="2676625562"/>
-      </p:ext>
-    </p:extLst>
-  </p:cSld>
-  <p:clrMapOvr>
-    <a:masterClrMapping/>
-  </p:clrMapOvr>
-</p:sld>
-</file>
-
-<file path=ppt/slides/slide12.xml><?xml version="1.0" encoding="utf-8"?>
-<p:sld xmlns:a="http://schemas.openxmlformats.org/drawingml/2006/main" xmlns:r="http://schemas.openxmlformats.org/officeDocument/2006/relationships" xmlns:p="http://schemas.openxmlformats.org/presentationml/2006/main">
-  <p:cSld>
-    <p:spTree>
-      <p:nvGrpSpPr>
-        <p:cNvPr id="1" name=""/>
-        <p:cNvGrpSpPr/>
-        <p:nvPr/>
-      </p:nvGrpSpPr>
-      <p:grpSpPr>
-        <a:xfrm>
-          <a:off x="0" y="0"/>
-          <a:ext cx="0" cy="0"/>
-          <a:chOff x="0" y="0"/>
-          <a:chExt cx="0" cy="0"/>
-        </a:xfrm>
-      </p:grpSpPr>
-      <p:sp>
-        <p:nvSpPr>
-          <p:cNvPr id="2" name="Title 1">
-            <a:extLst>
-              <a:ext uri="{FF2B5EF4-FFF2-40B4-BE49-F238E27FC236}">
-                <a16:creationId xmlns:a16="http://schemas.microsoft.com/office/drawing/2014/main" id="{476194FF-DF74-EF86-DF92-8D34A4EA85C3}"/>
-              </a:ext>
-            </a:extLst>
-          </p:cNvPr>
-          <p:cNvSpPr>
-            <a:spLocks noGrp="1"/>
-          </p:cNvSpPr>
-          <p:nvPr>
-            <p:ph type="title"/>
-          </p:nvPr>
-        </p:nvSpPr>
-        <p:spPr/>
-        <p:txBody>
-          <a:bodyPr/>
-          <a:lstStyle/>
-          <a:p>
-            <a:r>
-              <a:rPr lang="en-US" dirty="0"/>
-              <a:t>Frequency Tables for Continuous Variables</a:t>
-            </a:r>
-          </a:p>
-        </p:txBody>
-      </p:sp>
-      <p:sp>
-        <p:nvSpPr>
-          <p:cNvPr id="3" name="Content Placeholder 2">
-            <a:extLst>
-              <a:ext uri="{FF2B5EF4-FFF2-40B4-BE49-F238E27FC236}">
-                <a16:creationId xmlns:a16="http://schemas.microsoft.com/office/drawing/2014/main" id="{B8E94895-622E-4F90-9B01-BC714AD08FD2}"/>
-              </a:ext>
-            </a:extLst>
-          </p:cNvPr>
-          <p:cNvSpPr>
-            <a:spLocks noGrp="1"/>
-          </p:cNvSpPr>
-          <p:nvPr>
-            <p:ph idx="1"/>
-          </p:nvPr>
-        </p:nvSpPr>
-        <p:spPr>
-          <a:xfrm>
-            <a:off x="838200" y="1825625"/>
-            <a:ext cx="10236200" cy="4351338"/>
-          </a:xfrm>
-        </p:spPr>
-        <p:txBody>
-          <a:bodyPr/>
-          <a:lstStyle/>
-          <a:p>
-            <a:r>
-              <a:rPr lang="en-US" dirty="0"/>
-              <a:t>The number of possible values is usually very large </a:t>
-            </a:r>
-          </a:p>
-          <a:p>
-            <a:r>
-              <a:rPr lang="en-US" dirty="0"/>
-              <a:t>Convert continuous values into discrete groups (sometimes called bins):</a:t>
-            </a:r>
-          </a:p>
-          <a:p>
-            <a:endParaRPr lang="en-US" dirty="0"/>
-          </a:p>
-          <a:p>
-            <a:pPr marL="0" indent="0">
-              <a:buNone/>
-            </a:pPr>
-            <a:r>
-              <a:rPr lang="en-US" b="1" dirty="0"/>
-              <a:t>Steps: </a:t>
-            </a:r>
-          </a:p>
-          <a:p>
-            <a:pPr marL="514350" indent="-514350">
-              <a:buFont typeface="+mj-lt"/>
-              <a:buAutoNum type="arabicPeriod"/>
-            </a:pPr>
-            <a:r>
-              <a:rPr lang="en-US" dirty="0"/>
-              <a:t>Divide the range of the variable into a set of non-overlapping intervals</a:t>
-            </a:r>
-          </a:p>
-          <a:p>
-            <a:pPr marL="514350" indent="-514350">
-              <a:buFont typeface="+mj-lt"/>
-              <a:buAutoNum type="arabicPeriod"/>
-            </a:pPr>
-            <a:r>
-              <a:rPr lang="en-US" dirty="0"/>
-              <a:t>Count the number of values that fall into each interval</a:t>
-            </a:r>
-          </a:p>
-        </p:txBody>
-      </p:sp>
-    </p:spTree>
-    <p:extLst>
-      <p:ext uri="{BB962C8B-B14F-4D97-AF65-F5344CB8AC3E}">
-        <p14:creationId xmlns:p14="http://schemas.microsoft.com/office/powerpoint/2010/main" val="967060633"/>
-      </p:ext>
-    </p:extLst>
-  </p:cSld>
-  <p:clrMapOvr>
-    <a:masterClrMapping/>
-  </p:clrMapOvr>
-</p:sld>
-</file>
-
-<file path=ppt/slides/slide13.xml><?xml version="1.0" encoding="utf-8"?>
-<p:sld xmlns:a="http://schemas.openxmlformats.org/drawingml/2006/main" xmlns:r="http://schemas.openxmlformats.org/officeDocument/2006/relationships" xmlns:p="http://schemas.openxmlformats.org/presentationml/2006/main">
-  <p:cSld>
-    <p:spTree>
-      <p:nvGrpSpPr>
-        <p:cNvPr id="1" name=""/>
-        <p:cNvGrpSpPr/>
-        <p:nvPr/>
-      </p:nvGrpSpPr>
-      <p:grpSpPr>
-        <a:xfrm>
-          <a:off x="0" y="0"/>
-          <a:ext cx="0" cy="0"/>
-          <a:chOff x="0" y="0"/>
-          <a:chExt cx="0" cy="0"/>
-        </a:xfrm>
-      </p:grpSpPr>
-      <p:sp>
-        <p:nvSpPr>
-          <p:cNvPr id="2" name="Title 1">
-            <a:extLst>
-              <a:ext uri="{FF2B5EF4-FFF2-40B4-BE49-F238E27FC236}">
-                <a16:creationId xmlns:a16="http://schemas.microsoft.com/office/drawing/2014/main" id="{A2418BEF-F19E-DBAD-FF9A-8FDF1FBD3654}"/>
-              </a:ext>
-            </a:extLst>
-          </p:cNvPr>
-          <p:cNvSpPr>
-            <a:spLocks noGrp="1"/>
-          </p:cNvSpPr>
-          <p:nvPr>
-            <p:ph type="title"/>
-          </p:nvPr>
-        </p:nvSpPr>
-        <p:spPr>
-          <a:xfrm>
-            <a:off x="838200" y="365126"/>
-            <a:ext cx="10515600" cy="825500"/>
-          </a:xfrm>
-        </p:spPr>
-        <p:txBody>
-          <a:bodyPr>
-            <a:normAutofit/>
-          </a:bodyPr>
-          <a:lstStyle/>
-          <a:p>
-            <a:r>
-              <a:rPr lang="en-US" sz="4000" dirty="0"/>
-              <a:t>Example: Old Faithful Eruption Times</a:t>
-            </a:r>
-          </a:p>
-        </p:txBody>
-      </p:sp>
-      <p:pic>
-        <p:nvPicPr>
-          <p:cNvPr id="12" name="Picture 11" descr="A geyser erupting from a volcano&#10;&#10;Description automatically generated">
-            <a:extLst>
-              <a:ext uri="{FF2B5EF4-FFF2-40B4-BE49-F238E27FC236}">
-                <a16:creationId xmlns:a16="http://schemas.microsoft.com/office/drawing/2014/main" id="{7D4F0832-9507-7EF6-4632-576AC46874E2}"/>
-              </a:ext>
-            </a:extLst>
-          </p:cNvPr>
-          <p:cNvPicPr>
-            <a:picLocks noChangeAspect="1"/>
-          </p:cNvPicPr>
-          <p:nvPr/>
-        </p:nvPicPr>
-        <p:blipFill>
-          <a:blip r:embed="rId2">
-            <a:extLst>
-              <a:ext uri="{28A0092B-C50C-407E-A947-70E740481C1C}">
-                <a14:useLocalDpi xmlns:a14="http://schemas.microsoft.com/office/drawing/2010/main" val="0"/>
-              </a:ext>
-              <a:ext uri="{837473B0-CC2E-450A-ABE3-18F120FF3D39}">
-                <a1611:picAttrSrcUrl xmlns:a1611="http://schemas.microsoft.com/office/drawing/2016/11/main" r:id="rId3"/>
-              </a:ext>
-            </a:extLst>
-          </a:blip>
-          <a:stretch>
-            <a:fillRect/>
-          </a:stretch>
-        </p:blipFill>
-        <p:spPr>
-          <a:xfrm>
-            <a:off x="257175" y="2378007"/>
-            <a:ext cx="6402243" cy="4270246"/>
-          </a:xfrm>
-          <a:prstGeom prst="rect">
-            <a:avLst/>
-          </a:prstGeom>
-        </p:spPr>
-      </p:pic>
-      <p:pic>
-        <p:nvPicPr>
-          <p:cNvPr id="14" name="Picture 13">
-            <a:extLst>
-              <a:ext uri="{FF2B5EF4-FFF2-40B4-BE49-F238E27FC236}">
-                <a16:creationId xmlns:a16="http://schemas.microsoft.com/office/drawing/2014/main" id="{9B6079F2-E75F-5FC2-3656-4040AC7A68F1}"/>
-              </a:ext>
-            </a:extLst>
-          </p:cNvPr>
-          <p:cNvPicPr>
-            <a:picLocks noChangeAspect="1"/>
-          </p:cNvPicPr>
-          <p:nvPr/>
-        </p:nvPicPr>
-        <p:blipFill>
-          <a:blip r:embed="rId4"/>
-          <a:stretch>
-            <a:fillRect/>
-          </a:stretch>
-        </p:blipFill>
-        <p:spPr>
-          <a:xfrm>
-            <a:off x="7490691" y="2278912"/>
-            <a:ext cx="4018898" cy="4369340"/>
-          </a:xfrm>
-          <a:prstGeom prst="rect">
-            <a:avLst/>
-          </a:prstGeom>
-        </p:spPr>
-      </p:pic>
-    </p:spTree>
-    <p:extLst>
-      <p:ext uri="{BB962C8B-B14F-4D97-AF65-F5344CB8AC3E}">
-        <p14:creationId xmlns:p14="http://schemas.microsoft.com/office/powerpoint/2010/main" val="3224327594"/>
-      </p:ext>
-    </p:extLst>
-  </p:cSld>
-  <p:clrMapOvr>
-    <a:masterClrMapping/>
-  </p:clrMapOvr>
-</p:sld>
-</file>
-
-<file path=ppt/slides/slide14.xml><?xml version="1.0" encoding="utf-8"?>
-<p:sld xmlns:a="http://schemas.openxmlformats.org/drawingml/2006/main" xmlns:r="http://schemas.openxmlformats.org/officeDocument/2006/relationships" xmlns:p="http://schemas.openxmlformats.org/presentationml/2006/main">
-  <p:cSld>
-    <p:spTree>
-      <p:nvGrpSpPr>
-        <p:cNvPr id="1" name=""/>
-        <p:cNvGrpSpPr/>
-        <p:nvPr/>
-      </p:nvGrpSpPr>
-      <p:grpSpPr>
-        <a:xfrm>
-          <a:off x="0" y="0"/>
-          <a:ext cx="0" cy="0"/>
-          <a:chOff x="0" y="0"/>
-          <a:chExt cx="0" cy="0"/>
-        </a:xfrm>
-      </p:grpSpPr>
-      <p:sp>
-        <p:nvSpPr>
-          <p:cNvPr id="2" name="Title 1">
-            <a:extLst>
-              <a:ext uri="{FF2B5EF4-FFF2-40B4-BE49-F238E27FC236}">
-                <a16:creationId xmlns:a16="http://schemas.microsoft.com/office/drawing/2014/main" id="{0B5FEA43-5CC7-674C-34A7-42C05AF202E3}"/>
-              </a:ext>
-            </a:extLst>
-          </p:cNvPr>
-          <p:cNvSpPr>
-            <a:spLocks noGrp="1"/>
-          </p:cNvSpPr>
-          <p:nvPr>
-            <p:ph type="title"/>
-          </p:nvPr>
-        </p:nvSpPr>
-        <p:spPr/>
-        <p:txBody>
-          <a:bodyPr/>
-          <a:lstStyle/>
-          <a:p>
-            <a:r>
-              <a:rPr lang="en-US" sz="4400" dirty="0"/>
-              <a:t>Old Faithful Eruption Times: Frequency Table</a:t>
-            </a:r>
-            <a:endParaRPr lang="en-US" dirty="0"/>
-          </a:p>
-        </p:txBody>
-      </p:sp>
-      <p:pic>
-        <p:nvPicPr>
-          <p:cNvPr id="5" name="Picture 4">
-            <a:extLst>
-              <a:ext uri="{FF2B5EF4-FFF2-40B4-BE49-F238E27FC236}">
-                <a16:creationId xmlns:a16="http://schemas.microsoft.com/office/drawing/2014/main" id="{D2A6CFA9-8621-1511-99AE-0343BA94DC76}"/>
-              </a:ext>
-            </a:extLst>
-          </p:cNvPr>
-          <p:cNvPicPr>
-            <a:picLocks noChangeAspect="1"/>
-          </p:cNvPicPr>
-          <p:nvPr/>
-        </p:nvPicPr>
-        <p:blipFill>
-          <a:blip r:embed="rId2"/>
-          <a:stretch>
-            <a:fillRect/>
-          </a:stretch>
-        </p:blipFill>
-        <p:spPr>
-          <a:xfrm>
-            <a:off x="2499810" y="2324150"/>
-            <a:ext cx="7192379" cy="3410426"/>
-          </a:xfrm>
-          <a:prstGeom prst="rect">
-            <a:avLst/>
-          </a:prstGeom>
-        </p:spPr>
-      </p:pic>
-    </p:spTree>
-    <p:extLst>
-      <p:ext uri="{BB962C8B-B14F-4D97-AF65-F5344CB8AC3E}">
-        <p14:creationId xmlns:p14="http://schemas.microsoft.com/office/powerpoint/2010/main" val="1892766331"/>
       </p:ext>
     </p:extLst>
   </p:cSld>
